--- a/05.C#_Advanced/03.MATRICES/3. Lists-and-Matrices.pptx
+++ b/05.C#_Advanced/03.MATRICES/3. Lists-and-Matrices.pptx
@@ -151,7 +151,7 @@
   </p:defaultTextStyle>
   <p:extLst>
     <p:ext uri="{EFAFB233-063F-42B5-8137-9DF3F51BA10A}">
-      <p15:sldGuideLst xmlns:p15="http://schemas.microsoft.com/office/powerpoint/2012/main" xmlns="">
+      <p15:sldGuideLst xmlns:p15="http://schemas.microsoft.com/office/powerpoint/2012/main">
         <p15:guide id="1" orient="horz" pos="2160" userDrawn="1">
           <p15:clr>
             <a:srgbClr val="A4A3A4"/>
@@ -165,7 +165,7 @@
       </p15:sldGuideLst>
     </p:ext>
     <p:ext uri="{2D200454-40CA-4A62-9FC3-DE9A4176ACB9}">
-      <p15:notesGuideLst xmlns:p15="http://schemas.microsoft.com/office/powerpoint/2012/main" xmlns="">
+      <p15:notesGuideLst xmlns:p15="http://schemas.microsoft.com/office/powerpoint/2012/main">
         <p15:guide id="1" orient="horz" pos="2880">
           <p15:clr>
             <a:srgbClr val="A4A3A4"/>
@@ -265,7 +265,7 @@
             <a:fld id="{FE5B4EDC-59C0-49C7-8ADA-5A781B329E02}" type="datetimeFigureOut">
               <a:rPr lang="en-US"/>
               <a:pPr/>
-              <a:t>4/21/2016</a:t>
+              <a:t>25-Mar-16</a:t>
             </a:fld>
             <a:endParaRPr dirty="0"/>
           </a:p>
@@ -464,7 +464,7 @@
             <a:fld id="{F2D8D46A-B586-417D-BFBD-8C8FE0AAF762}" type="datetimeFigureOut">
               <a:rPr lang="en-US" smtClean="0"/>
               <a:pPr/>
-              <a:t>4/21/2016</a:t>
+              <a:t>25-Mar-16</a:t>
             </a:fld>
             <a:endParaRPr lang="en-US"/>
           </a:p>
@@ -2397,7 +2397,7 @@
             <a:fld id="{055373AC-9AA7-423B-BA00-BA1C74164DBD}" type="datetime1">
               <a:rPr lang="en-US" smtClean="0"/>
               <a:pPr/>
-              <a:t>4/21/2016</a:t>
+              <a:t>25-Mar-16</a:t>
             </a:fld>
             <a:endParaRPr lang="en-US" dirty="0"/>
           </a:p>
@@ -3564,7 +3564,7 @@
                 </a:solidFill>
               </a:rPr>
               <a:pPr/>
-              <a:t>4/21/2016</a:t>
+              <a:t>25-Mar-16</a:t>
             </a:fld>
             <a:endParaRPr lang="en-US" dirty="0">
               <a:solidFill>
@@ -4843,7 +4843,7 @@
             <a:fld id="{055373AC-9AA7-423B-BA00-BA1C74164DBD}" type="datetime1">
               <a:rPr lang="en-US" smtClean="0"/>
               <a:pPr/>
-              <a:t>4/21/2016</a:t>
+              <a:t>25-Mar-16</a:t>
             </a:fld>
             <a:endParaRPr lang="en-US" dirty="0"/>
           </a:p>
@@ -5386,7 +5386,7 @@
   </p:txStyles>
   <p:extLst mod="1">
     <p:ext uri="{27BBF7A9-308A-43DC-89C8-2F10F3537804}">
-      <p15:sldGuideLst xmlns:p15="http://schemas.microsoft.com/office/powerpoint/2012/main" xmlns="">
+      <p15:sldGuideLst xmlns:p15="http://schemas.microsoft.com/office/powerpoint/2012/main">
         <p15:guide id="1" orient="horz" pos="2160" userDrawn="1">
           <p15:clr>
             <a:srgbClr val="F26B43"/>
@@ -5476,7 +5476,7 @@
                 </a:solidFill>
               </a:rPr>
               <a:pPr/>
-              <a:t>4/21/2016</a:t>
+              <a:t>25-Mar-16</a:t>
             </a:fld>
             <a:endParaRPr lang="en-US" dirty="0">
               <a:solidFill>
@@ -6044,7 +6044,7 @@
   </p:txStyles>
   <p:extLst mod="1">
     <p:ext uri="{27BBF7A9-308A-43DC-89C8-2F10F3537804}">
-      <p15:sldGuideLst xmlns:p15="http://schemas.microsoft.com/office/powerpoint/2012/main" xmlns="">
+      <p15:sldGuideLst xmlns:p15="http://schemas.microsoft.com/office/powerpoint/2012/main">
         <p15:guide id="1" orient="horz" pos="2160" userDrawn="1">
           <p15:clr>
             <a:srgbClr val="F26B43"/>
@@ -19044,7 +19044,7 @@
               <a:t> </a:t>
             </a:r>
             <a:r>
-              <a:rPr lang="en-US" sz="2800" b="1" noProof="1" smtClean="0">
+              <a:rPr lang="en-US" sz="2800" b="1" noProof="1">
                 <a:solidFill>
                   <a:schemeClr val="tx2">
                     <a:lumMod val="75000"/>
@@ -19059,10 +19059,10 @@
                 </a:effectLst>
                 <a:latin typeface="Consolas" panose="020B0609020204030204" pitchFamily="49" charset="0"/>
               </a:rPr>
-              <a:t>3]</a:t>
-            </a:r>
-            <a:r>
-              <a:rPr lang="en-US" sz="2800" dirty="0" smtClean="0">
+              <a:t>2]</a:t>
+            </a:r>
+            <a:r>
+              <a:rPr lang="en-US" sz="2800" dirty="0">
                 <a:solidFill>
                   <a:srgbClr val="FFFFFF"/>
                 </a:solidFill>
@@ -19074,22 +19074,7 @@
                   </a:outerShdw>
                 </a:effectLst>
               </a:rPr>
-              <a:t> </a:t>
-            </a:r>
-            <a:r>
-              <a:rPr lang="en-US" sz="2800" dirty="0">
-                <a:solidFill>
-                  <a:srgbClr val="FFFFFF"/>
-                </a:solidFill>
-                <a:effectLst>
-                  <a:outerShdw blurRad="38100" dist="38100" dir="2700000" algn="tl">
-                    <a:srgbClr val="000000">
-                      <a:alpha val="43137"/>
-                    </a:srgbClr>
-                  </a:outerShdw>
-                </a:effectLst>
-              </a:rPr>
-              <a:t>at row </a:t>
+              <a:t> at row </a:t>
             </a:r>
             <a:r>
               <a:rPr lang="en-US" sz="2800" b="1" dirty="0">
@@ -19125,7 +19110,7 @@
               <a:t>, column </a:t>
             </a:r>
             <a:r>
-              <a:rPr lang="en-US" sz="2800" b="1" dirty="0" smtClean="0">
+              <a:rPr lang="en-US" sz="2800" b="1" dirty="0">
                 <a:solidFill>
                   <a:schemeClr val="tx2">
                     <a:lumMod val="75000"/>
@@ -19140,7 +19125,7 @@
                 </a:effectLst>
                 <a:latin typeface="Consolas" panose="020B0609020204030204" pitchFamily="49" charset="0"/>
               </a:rPr>
-              <a:t>3</a:t>
+              <a:t>2</a:t>
             </a:r>
             <a:endParaRPr lang="en-US" sz="2800" b="1" noProof="1">
               <a:solidFill>
@@ -26636,7 +26621,15 @@
           <a:p>
             <a:r>
               <a:rPr lang="en-US" sz="3800" dirty="0" smtClean="0"/>
-              <a:t>Homework: Max Sequence of Equal </a:t>
+              <a:t>Homework: </a:t>
+            </a:r>
+            <a:r>
+              <a:rPr lang="en-US" sz="3800" dirty="0" smtClean="0"/>
+              <a:t>Max Sequence </a:t>
+            </a:r>
+            <a:r>
+              <a:rPr lang="en-US" sz="3800" dirty="0" smtClean="0"/>
+              <a:t>of Equal </a:t>
             </a:r>
             <a:r>
               <a:rPr lang="en-US" sz="3800" dirty="0"/>
@@ -31641,7 +31634,19 @@
                           <a:ea typeface="+mn-ea"/>
                           <a:cs typeface="+mn-cs"/>
                         </a:rPr>
-                        <a:t>1 2 3 5</a:t>
+                        <a:t>1 2 </a:t>
+                      </a:r>
+                      <a:r>
+                        <a:rPr lang="en-US" sz="3000" b="0" kern="1200" dirty="0" smtClean="0">
+                          <a:solidFill>
+                            <a:schemeClr val="dk1"/>
+                          </a:solidFill>
+                          <a:effectLst/>
+                          <a:latin typeface="+mn-lt"/>
+                          <a:ea typeface="+mn-ea"/>
+                          <a:cs typeface="+mn-cs"/>
+                        </a:rPr>
+                        <a:t>3 5</a:t>
                       </a:r>
                       <a:endParaRPr lang="en-US" sz="3000" b="0" kern="1200" dirty="0">
                         <a:solidFill>
@@ -32240,7 +32245,11 @@
             </a:r>
             <a:r>
               <a:rPr lang="en-US" sz="3200" dirty="0" smtClean="0"/>
-              <a:t>. If several equal sized largest frames exist, print </a:t>
+              <a:t>. If several equal sized largest frames </a:t>
+            </a:r>
+            <a:r>
+              <a:rPr lang="en-US" sz="3200" dirty="0" smtClean="0"/>
+              <a:t>exist, print </a:t>
             </a:r>
             <a:r>
               <a:rPr lang="en-US" sz="3200" dirty="0" smtClean="0">
@@ -32524,6 +32533,22 @@
               </a:rPr>
               <a:t>7 7 7 7 7 7</a:t>
             </a:r>
+            <a:endParaRPr lang="pt-BR" sz="3000" b="1" noProof="1" smtClean="0">
+              <a:solidFill>
+                <a:schemeClr val="tx2">
+                  <a:lumMod val="75000"/>
+                </a:schemeClr>
+              </a:solidFill>
+              <a:effectLst>
+                <a:outerShdw blurRad="38100" dist="38100" dir="2700000" algn="tl">
+                  <a:srgbClr val="000000">
+                    <a:alpha val="43137"/>
+                  </a:srgbClr>
+                </a:outerShdw>
+              </a:effectLst>
+              <a:latin typeface="Consolas" panose="020B0609020204030204" pitchFamily="49" charset="0"/>
+              <a:cs typeface="Arial" panose="020B0604020202020204" pitchFamily="34" charset="0"/>
+            </a:endParaRPr>
           </a:p>
         </p:txBody>
       </p:sp>
@@ -32947,7 +32972,24 @@
                 <a:latin typeface="Consolas" panose="020B0609020204030204" pitchFamily="49" charset="0"/>
                 <a:cs typeface="Arial" panose="020B0604020202020204" pitchFamily="34" charset="0"/>
               </a:rPr>
-              <a:t>4x5</a:t>
+              <a:t>4</a:t>
+            </a:r>
+            <a:r>
+              <a:rPr lang="pt-BR" sz="3000" b="1" noProof="1" smtClean="0">
+                <a:solidFill>
+                  <a:srgbClr val="FBEEDC"/>
+                </a:solidFill>
+                <a:effectLst>
+                  <a:outerShdw blurRad="38100" dist="38100" dir="2700000" algn="tl">
+                    <a:srgbClr val="000000">
+                      <a:alpha val="43137"/>
+                    </a:srgbClr>
+                  </a:outerShdw>
+                </a:effectLst>
+                <a:latin typeface="Consolas" panose="020B0609020204030204" pitchFamily="49" charset="0"/>
+                <a:cs typeface="Arial" panose="020B0604020202020204" pitchFamily="34" charset="0"/>
+              </a:rPr>
+              <a:t>x5</a:t>
             </a:r>
             <a:endParaRPr lang="pt-BR" sz="3000" b="1" noProof="1">
               <a:solidFill>
@@ -33117,15 +33159,14 @@
                 <a:latin typeface="Consolas" panose="020B0609020204030204" pitchFamily="49" charset="0"/>
                 <a:cs typeface="Arial" panose="020B0604020202020204" pitchFamily="34" charset="0"/>
               </a:rPr>
-              <a:t>5 5 5 3 3 3</a:t>
-            </a:r>
-          </a:p>
-          <a:p>
-            <a:pPr defTabSz="1218621"/>
-            <a:r>
-              <a:rPr lang="pt-BR" sz="3000" b="1" noProof="1">
-                <a:solidFill>
-                  <a:srgbClr val="FBEEDC"/>
+              <a:t>5 </a:t>
+            </a:r>
+            <a:r>
+              <a:rPr lang="pt-BR" sz="3000" b="1" noProof="1" smtClean="0">
+                <a:solidFill>
+                  <a:schemeClr val="tx2">
+                    <a:lumMod val="75000"/>
+                  </a:schemeClr>
                 </a:solidFill>
                 <a:effectLst>
                   <a:outerShdw blurRad="38100" dist="38100" dir="2700000" algn="tl">
@@ -33137,14 +33178,15 @@
                 <a:latin typeface="Consolas" panose="020B0609020204030204" pitchFamily="49" charset="0"/>
                 <a:cs typeface="Arial" panose="020B0604020202020204" pitchFamily="34" charset="0"/>
               </a:rPr>
-              <a:t>3 </a:t>
-            </a:r>
-            <a:r>
-              <a:rPr lang="pt-BR" sz="3000" b="1" noProof="1" smtClean="0">
-                <a:solidFill>
-                  <a:schemeClr val="tx2">
-                    <a:lumMod val="75000"/>
-                  </a:schemeClr>
+              <a:t>5 5 3 3 3</a:t>
+            </a:r>
+          </a:p>
+          <a:p>
+            <a:pPr defTabSz="1218621"/>
+            <a:r>
+              <a:rPr lang="pt-BR" sz="3000" b="1" noProof="1">
+                <a:solidFill>
+                  <a:srgbClr val="FBEEDC"/>
                 </a:solidFill>
                 <a:effectLst>
                   <a:outerShdw blurRad="38100" dist="38100" dir="2700000" algn="tl">
@@ -33156,12 +33198,14 @@
                 <a:latin typeface="Consolas" panose="020B0609020204030204" pitchFamily="49" charset="0"/>
                 <a:cs typeface="Arial" panose="020B0604020202020204" pitchFamily="34" charset="0"/>
               </a:rPr>
-              <a:t>5 </a:t>
-            </a:r>
-            <a:r>
-              <a:rPr lang="pt-BR" sz="3000" b="1" noProof="1">
-                <a:solidFill>
-                  <a:srgbClr val="FBEEDC"/>
+              <a:t>3 </a:t>
+            </a:r>
+            <a:r>
+              <a:rPr lang="pt-BR" sz="3000" b="1" noProof="1" smtClean="0">
+                <a:solidFill>
+                  <a:schemeClr val="tx2">
+                    <a:lumMod val="75000"/>
+                  </a:schemeClr>
                 </a:solidFill>
                 <a:effectLst>
                   <a:outerShdw blurRad="38100" dist="38100" dir="2700000" algn="tl">
@@ -33173,14 +33217,12 @@
                 <a:latin typeface="Consolas" panose="020B0609020204030204" pitchFamily="49" charset="0"/>
                 <a:cs typeface="Arial" panose="020B0604020202020204" pitchFamily="34" charset="0"/>
               </a:rPr>
-              <a:t>0</a:t>
-            </a:r>
-            <a:r>
-              <a:rPr lang="pt-BR" sz="3000" b="1" noProof="1" smtClean="0">
-                <a:solidFill>
-                  <a:schemeClr val="tx2">
-                    <a:lumMod val="75000"/>
-                  </a:schemeClr>
+              <a:t>5 </a:t>
+            </a:r>
+            <a:r>
+              <a:rPr lang="pt-BR" sz="3000" b="1" noProof="1">
+                <a:solidFill>
+                  <a:srgbClr val="FBEEDC"/>
                 </a:solidFill>
                 <a:effectLst>
                   <a:outerShdw blurRad="38100" dist="38100" dir="2700000" algn="tl">
@@ -33192,12 +33234,14 @@
                 <a:latin typeface="Consolas" panose="020B0609020204030204" pitchFamily="49" charset="0"/>
                 <a:cs typeface="Arial" panose="020B0604020202020204" pitchFamily="34" charset="0"/>
               </a:rPr>
-              <a:t> 5 3 </a:t>
-            </a:r>
-            <a:r>
-              <a:rPr lang="pt-BR" sz="3000" b="1" noProof="1">
-                <a:solidFill>
-                  <a:srgbClr val="FBEEDC"/>
+              <a:t>0</a:t>
+            </a:r>
+            <a:r>
+              <a:rPr lang="pt-BR" sz="3000" b="1" noProof="1" smtClean="0">
+                <a:solidFill>
+                  <a:schemeClr val="tx2">
+                    <a:lumMod val="75000"/>
+                  </a:schemeClr>
                 </a:solidFill>
                 <a:effectLst>
                   <a:outerShdw blurRad="38100" dist="38100" dir="2700000" algn="tl">
@@ -33209,14 +33253,12 @@
                 <a:latin typeface="Consolas" panose="020B0609020204030204" pitchFamily="49" charset="0"/>
                 <a:cs typeface="Arial" panose="020B0604020202020204" pitchFamily="34" charset="0"/>
               </a:rPr>
-              <a:t>0</a:t>
-            </a:r>
-            <a:r>
-              <a:rPr lang="pt-BR" sz="3000" b="1" noProof="1" smtClean="0">
-                <a:solidFill>
-                  <a:schemeClr val="tx2">
-                    <a:lumMod val="75000"/>
-                  </a:schemeClr>
+              <a:t> 5 3 </a:t>
+            </a:r>
+            <a:r>
+              <a:rPr lang="pt-BR" sz="3000" b="1" noProof="1">
+                <a:solidFill>
+                  <a:srgbClr val="FBEEDC"/>
                 </a:solidFill>
                 <a:effectLst>
                   <a:outerShdw blurRad="38100" dist="38100" dir="2700000" algn="tl">
@@ -33228,15 +33270,14 @@
                 <a:latin typeface="Consolas" panose="020B0609020204030204" pitchFamily="49" charset="0"/>
                 <a:cs typeface="Arial" panose="020B0604020202020204" pitchFamily="34" charset="0"/>
               </a:rPr>
-              <a:t> 3</a:t>
-            </a:r>
-          </a:p>
-          <a:p>
-            <a:pPr defTabSz="1218621"/>
-            <a:r>
-              <a:rPr lang="pt-BR" sz="3000" b="1" noProof="1">
-                <a:solidFill>
-                  <a:srgbClr val="FBEEDC"/>
+              <a:t>0</a:t>
+            </a:r>
+            <a:r>
+              <a:rPr lang="pt-BR" sz="3000" b="1" noProof="1" smtClean="0">
+                <a:solidFill>
+                  <a:schemeClr val="tx2">
+                    <a:lumMod val="75000"/>
+                  </a:schemeClr>
                 </a:solidFill>
                 <a:effectLst>
                   <a:outerShdw blurRad="38100" dist="38100" dir="2700000" algn="tl">
@@ -33248,14 +33289,15 @@
                 <a:latin typeface="Consolas" panose="020B0609020204030204" pitchFamily="49" charset="0"/>
                 <a:cs typeface="Arial" panose="020B0604020202020204" pitchFamily="34" charset="0"/>
               </a:rPr>
-              <a:t>3 </a:t>
-            </a:r>
-            <a:r>
-              <a:rPr lang="pt-BR" sz="3000" b="1" noProof="1" smtClean="0">
-                <a:solidFill>
-                  <a:schemeClr val="tx2">
-                    <a:lumMod val="75000"/>
-                  </a:schemeClr>
+              <a:t> 3</a:t>
+            </a:r>
+          </a:p>
+          <a:p>
+            <a:pPr defTabSz="1218621"/>
+            <a:r>
+              <a:rPr lang="pt-BR" sz="3000" b="1" noProof="1">
+                <a:solidFill>
+                  <a:srgbClr val="FBEEDC"/>
                 </a:solidFill>
                 <a:effectLst>
                   <a:outerShdw blurRad="38100" dist="38100" dir="2700000" algn="tl">
@@ -33267,7 +33309,45 @@
                 <a:latin typeface="Consolas" panose="020B0609020204030204" pitchFamily="49" charset="0"/>
                 <a:cs typeface="Arial" panose="020B0604020202020204" pitchFamily="34" charset="0"/>
               </a:rPr>
-              <a:t>5 5 5 3 3 3</a:t>
+              <a:t>3 </a:t>
+            </a:r>
+            <a:r>
+              <a:rPr lang="pt-BR" sz="3000" b="1" noProof="1" smtClean="0">
+                <a:solidFill>
+                  <a:schemeClr val="tx2">
+                    <a:lumMod val="75000"/>
+                  </a:schemeClr>
+                </a:solidFill>
+                <a:effectLst>
+                  <a:outerShdw blurRad="38100" dist="38100" dir="2700000" algn="tl">
+                    <a:srgbClr val="000000">
+                      <a:alpha val="43137"/>
+                    </a:srgbClr>
+                  </a:outerShdw>
+                </a:effectLst>
+                <a:latin typeface="Consolas" panose="020B0609020204030204" pitchFamily="49" charset="0"/>
+                <a:cs typeface="Arial" panose="020B0604020202020204" pitchFamily="34" charset="0"/>
+              </a:rPr>
+              <a:t>5 </a:t>
+            </a:r>
+            <a:r>
+              <a:rPr lang="pt-BR" sz="3000" b="1" noProof="1" smtClean="0">
+                <a:solidFill>
+                  <a:schemeClr val="tx2">
+                    <a:lumMod val="75000"/>
+                  </a:schemeClr>
+                </a:solidFill>
+                <a:effectLst>
+                  <a:outerShdw blurRad="38100" dist="38100" dir="2700000" algn="tl">
+                    <a:srgbClr val="000000">
+                      <a:alpha val="43137"/>
+                    </a:srgbClr>
+                  </a:outerShdw>
+                </a:effectLst>
+                <a:latin typeface="Consolas" panose="020B0609020204030204" pitchFamily="49" charset="0"/>
+                <a:cs typeface="Arial" panose="020B0604020202020204" pitchFamily="34" charset="0"/>
+              </a:rPr>
+              <a:t>5 5 3 3 3</a:t>
             </a:r>
           </a:p>
         </p:txBody>
@@ -33787,6 +33867,20 @@
               </a:rPr>
               <a:t>3x2</a:t>
             </a:r>
+            <a:endParaRPr lang="pt-BR" sz="3000" b="1" noProof="1">
+              <a:solidFill>
+                <a:srgbClr val="FBEEDC"/>
+              </a:solidFill>
+              <a:effectLst>
+                <a:outerShdw blurRad="38100" dist="38100" dir="2700000" algn="tl">
+                  <a:srgbClr val="000000">
+                    <a:alpha val="43137"/>
+                  </a:srgbClr>
+                </a:outerShdw>
+              </a:effectLst>
+              <a:latin typeface="Consolas" panose="020B0609020204030204" pitchFamily="49" charset="0"/>
+              <a:cs typeface="Arial" panose="020B0604020202020204" pitchFamily="34" charset="0"/>
+            </a:endParaRPr>
           </a:p>
         </p:txBody>
       </p:sp>
